--- a/sesija-10/PPT/Front-End Developer-10.pptx
+++ b/sesija-10/PPT/Front-End Developer-10.pptx
@@ -6,7 +6,7 @@
     <p:sldMasterId id="2147483676" r:id="rId2"/>
   </p:sldMasterIdLst>
   <p:notesMasterIdLst>
-    <p:notesMasterId r:id="rId20"/>
+    <p:notesMasterId r:id="rId15"/>
   </p:notesMasterIdLst>
   <p:sldIdLst>
     <p:sldId id="256" r:id="rId3"/>
@@ -17,15 +17,10 @@
     <p:sldId id="263" r:id="rId8"/>
     <p:sldId id="264" r:id="rId9"/>
     <p:sldId id="265" r:id="rId10"/>
-    <p:sldId id="271" r:id="rId11"/>
-    <p:sldId id="272" r:id="rId12"/>
-    <p:sldId id="273" r:id="rId13"/>
-    <p:sldId id="274" r:id="rId14"/>
-    <p:sldId id="266" r:id="rId15"/>
-    <p:sldId id="267" r:id="rId16"/>
-    <p:sldId id="268" r:id="rId17"/>
-    <p:sldId id="269" r:id="rId18"/>
-    <p:sldId id="270" r:id="rId19"/>
+    <p:sldId id="267" r:id="rId11"/>
+    <p:sldId id="266" r:id="rId12"/>
+    <p:sldId id="268" r:id="rId13"/>
+    <p:sldId id="269" r:id="rId14"/>
   </p:sldIdLst>
   <p:sldSz cx="12192000" cy="6858000"/>
   <p:notesSz cx="6858000" cy="9144000"/>
@@ -137,15 +132,10 @@
             <p14:sldId id="263"/>
             <p14:sldId id="264"/>
             <p14:sldId id="265"/>
-            <p14:sldId id="271"/>
-            <p14:sldId id="272"/>
-            <p14:sldId id="273"/>
-            <p14:sldId id="274"/>
+            <p14:sldId id="267"/>
             <p14:sldId id="266"/>
-            <p14:sldId id="267"/>
             <p14:sldId id="268"/>
             <p14:sldId id="269"/>
-            <p14:sldId id="270"/>
           </p14:sldIdLst>
         </p14:section>
       </p14:sectionLst>
@@ -967,7 +957,7 @@
         <a:p>
           <a:r>
             <a:rPr lang="en-US" smtClean="0"/>
-            <a:t>Kako JavaScript radi iza scene?</a:t>
+            <a:t>By Val vs By Ref</a:t>
           </a:r>
           <a:endParaRPr lang="en-US"/>
         </a:p>
@@ -978,6 +968,75 @@
       <dgm:spPr/>
     </dgm:pt>
     <dgm:pt modelId="{742584FC-CEBD-443D-8EE8-2A8EAD139AFF}" type="sibTrans" cxnId="{9E84B4A0-3EE6-44A4-AD2F-F19AE98DD08B}">
+      <dgm:prSet/>
+      <dgm:spPr/>
+    </dgm:pt>
+    <dgm:pt modelId="{AD000FB5-E286-469D-8065-4FD2077D73F5}">
+      <dgm:prSet phldrT="[Text]"/>
+      <dgm:spPr/>
+      <dgm:t>
+        <a:bodyPr/>
+        <a:lstStyle/>
+        <a:p>
+          <a:r>
+            <a:rPr lang="en-US" smtClean="0"/>
+            <a:t>Function expression &amp; function statements</a:t>
+          </a:r>
+          <a:endParaRPr lang="en-US"/>
+        </a:p>
+      </dgm:t>
+    </dgm:pt>
+    <dgm:pt modelId="{7E3E030A-C2E5-4E88-9190-4EDE49EEC090}" type="parTrans" cxnId="{AAA3B800-C918-457C-8774-C1877AB135B4}">
+      <dgm:prSet/>
+      <dgm:spPr/>
+    </dgm:pt>
+    <dgm:pt modelId="{23D468E1-5929-438F-B155-FC9F2A8F6F81}" type="sibTrans" cxnId="{AAA3B800-C918-457C-8774-C1877AB135B4}">
+      <dgm:prSet/>
+      <dgm:spPr/>
+    </dgm:pt>
+    <dgm:pt modelId="{EB349BF1-50EC-4B8A-8EEC-55A1459A59DD}">
+      <dgm:prSet phldrT="[Text]"/>
+      <dgm:spPr/>
+      <dgm:t>
+        <a:bodyPr/>
+        <a:lstStyle/>
+        <a:p>
+          <a:r>
+            <a:rPr lang="en-US" smtClean="0"/>
+            <a:t>Najveca tajna – da li su i funkcije u stvari objekti?</a:t>
+          </a:r>
+          <a:endParaRPr lang="en-US"/>
+        </a:p>
+      </dgm:t>
+    </dgm:pt>
+    <dgm:pt modelId="{318D2B37-FFCC-4615-B0A4-57AA68953DBD}" type="parTrans" cxnId="{07CF1A32-D1F2-4EDF-AAFD-CDB6E2D8CA39}">
+      <dgm:prSet/>
+      <dgm:spPr/>
+    </dgm:pt>
+    <dgm:pt modelId="{F6865CF1-1F97-4613-B2D9-A6B7B142AF3A}" type="sibTrans" cxnId="{07CF1A32-D1F2-4EDF-AAFD-CDB6E2D8CA39}">
+      <dgm:prSet/>
+      <dgm:spPr/>
+    </dgm:pt>
+    <dgm:pt modelId="{7BA3726F-3900-4FC3-8B1E-5B513F942281}">
+      <dgm:prSet phldrT="[Text]"/>
+      <dgm:spPr/>
+      <dgm:t>
+        <a:bodyPr/>
+        <a:lstStyle/>
+        <a:p>
+          <a:r>
+            <a:rPr lang="en-US" smtClean="0"/>
+            <a:t>Uvod u funkcionlno programiranje</a:t>
+          </a:r>
+          <a:endParaRPr lang="en-US"/>
+        </a:p>
+      </dgm:t>
+    </dgm:pt>
+    <dgm:pt modelId="{F89418B0-7D47-48D3-A0DD-7DC00E292A1E}" type="parTrans" cxnId="{C78D7D1E-4353-489A-8F01-856C716DDAA5}">
+      <dgm:prSet/>
+      <dgm:spPr/>
+    </dgm:pt>
+    <dgm:pt modelId="{B8A6BCFB-F597-4971-BF20-6B7B52347AE9}" type="sibTrans" cxnId="{C78D7D1E-4353-489A-8F01-856C716DDAA5}">
       <dgm:prSet/>
       <dgm:spPr/>
     </dgm:pt>
@@ -1030,11 +1089,17 @@
     </dgm:pt>
   </dgm:ptLst>
   <dgm:cxnLst>
-    <dgm:cxn modelId="{9E84B4A0-3EE6-44A4-AD2F-F19AE98DD08B}" srcId="{01EB205F-FC18-44EF-B4D7-07083A382D6D}" destId="{28BB5B8D-FB3C-4AB6-B9CE-808275E4C7DB}" srcOrd="0" destOrd="0" parTransId="{D921A4A7-E4A0-4B53-B5A8-7202E5E6D16E}" sibTransId="{742584FC-CEBD-443D-8EE8-2A8EAD139AFF}"/>
-    <dgm:cxn modelId="{9548052C-9D94-47DC-994A-A5EA99189A03}" type="presOf" srcId="{28BB5B8D-FB3C-4AB6-B9CE-808275E4C7DB}" destId="{AADBD8E6-695F-4FE3-9A02-D807BC812A7C}" srcOrd="0" destOrd="0" presId="urn:microsoft.com/office/officeart/2005/8/layout/vList2"/>
+    <dgm:cxn modelId="{AAA3B800-C918-457C-8774-C1877AB135B4}" srcId="{7BA3726F-3900-4FC3-8B1E-5B513F942281}" destId="{AD000FB5-E286-469D-8065-4FD2077D73F5}" srcOrd="1" destOrd="0" parTransId="{7E3E030A-C2E5-4E88-9190-4EDE49EEC090}" sibTransId="{23D468E1-5929-438F-B155-FC9F2A8F6F81}"/>
     <dgm:cxn modelId="{FB3F133B-D980-4586-8A93-14087C2AFDB7}" type="presOf" srcId="{01EB205F-FC18-44EF-B4D7-07083A382D6D}" destId="{F4D94EE2-DE87-41D3-8995-9FDA4ED2D4BE}" srcOrd="0" destOrd="0" presId="urn:microsoft.com/office/officeart/2005/8/layout/vList2"/>
+    <dgm:cxn modelId="{9E84B4A0-3EE6-44A4-AD2F-F19AE98DD08B}" srcId="{01EB205F-FC18-44EF-B4D7-07083A382D6D}" destId="{28BB5B8D-FB3C-4AB6-B9CE-808275E4C7DB}" srcOrd="1" destOrd="0" parTransId="{D921A4A7-E4A0-4B53-B5A8-7202E5E6D16E}" sibTransId="{742584FC-CEBD-443D-8EE8-2A8EAD139AFF}"/>
+    <dgm:cxn modelId="{9ADF0326-01FB-4790-B759-ACDFB0217796}" type="presOf" srcId="{4EE1351B-4B79-4D48-8F5E-455F7AD945A8}" destId="{AEABCDDF-3180-4C76-A7CB-FC0B6AF0719A}" srcOrd="0" destOrd="0" presId="urn:microsoft.com/office/officeart/2005/8/layout/vList2"/>
+    <dgm:cxn modelId="{5416F585-0B33-4173-8ECE-C05D0828962A}" type="presOf" srcId="{AD000FB5-E286-469D-8065-4FD2077D73F5}" destId="{AADBD8E6-695F-4FE3-9A02-D807BC812A7C}" srcOrd="0" destOrd="2" presId="urn:microsoft.com/office/officeart/2005/8/layout/vList2"/>
+    <dgm:cxn modelId="{C78D7D1E-4353-489A-8F01-856C716DDAA5}" srcId="{01EB205F-FC18-44EF-B4D7-07083A382D6D}" destId="{7BA3726F-3900-4FC3-8B1E-5B513F942281}" srcOrd="0" destOrd="0" parTransId="{F89418B0-7D47-48D3-A0DD-7DC00E292A1E}" sibTransId="{B8A6BCFB-F597-4971-BF20-6B7B52347AE9}"/>
     <dgm:cxn modelId="{554D4833-0D13-4D4C-92BF-76D83AECFDE6}" srcId="{4EE1351B-4B79-4D48-8F5E-455F7AD945A8}" destId="{01EB205F-FC18-44EF-B4D7-07083A382D6D}" srcOrd="0" destOrd="0" parTransId="{D4C6F2B3-566C-488E-AC05-F7BDFB6B7331}" sibTransId="{2BF717F9-FCD3-4CE3-A0A5-83D104AFB328}"/>
-    <dgm:cxn modelId="{9ADF0326-01FB-4790-B759-ACDFB0217796}" type="presOf" srcId="{4EE1351B-4B79-4D48-8F5E-455F7AD945A8}" destId="{AEABCDDF-3180-4C76-A7CB-FC0B6AF0719A}" srcOrd="0" destOrd="0" presId="urn:microsoft.com/office/officeart/2005/8/layout/vList2"/>
+    <dgm:cxn modelId="{9548052C-9D94-47DC-994A-A5EA99189A03}" type="presOf" srcId="{28BB5B8D-FB3C-4AB6-B9CE-808275E4C7DB}" destId="{AADBD8E6-695F-4FE3-9A02-D807BC812A7C}" srcOrd="0" destOrd="3" presId="urn:microsoft.com/office/officeart/2005/8/layout/vList2"/>
+    <dgm:cxn modelId="{07CF1A32-D1F2-4EDF-AAFD-CDB6E2D8CA39}" srcId="{7BA3726F-3900-4FC3-8B1E-5B513F942281}" destId="{EB349BF1-50EC-4B8A-8EEC-55A1459A59DD}" srcOrd="0" destOrd="0" parTransId="{318D2B37-FFCC-4615-B0A4-57AA68953DBD}" sibTransId="{F6865CF1-1F97-4613-B2D9-A6B7B142AF3A}"/>
+    <dgm:cxn modelId="{C5A8E9B4-A897-4242-BCB6-414B02FAC18D}" type="presOf" srcId="{7BA3726F-3900-4FC3-8B1E-5B513F942281}" destId="{AADBD8E6-695F-4FE3-9A02-D807BC812A7C}" srcOrd="0" destOrd="0" presId="urn:microsoft.com/office/officeart/2005/8/layout/vList2"/>
+    <dgm:cxn modelId="{B5270110-80A1-4ACF-8C00-B781E789CDE4}" type="presOf" srcId="{EB349BF1-50EC-4B8A-8EEC-55A1459A59DD}" destId="{AADBD8E6-695F-4FE3-9A02-D807BC812A7C}" srcOrd="0" destOrd="1" presId="urn:microsoft.com/office/officeart/2005/8/layout/vList2"/>
     <dgm:cxn modelId="{541BD5B9-51DA-497F-838D-CDA31366E980}" type="presParOf" srcId="{AEABCDDF-3180-4C76-A7CB-FC0B6AF0719A}" destId="{F4D94EE2-DE87-41D3-8995-9FDA4ED2D4BE}" srcOrd="0" destOrd="0" presId="urn:microsoft.com/office/officeart/2005/8/layout/vList2"/>
     <dgm:cxn modelId="{C7801D2E-7067-4E56-86BD-8C707C34363A}" type="presParOf" srcId="{AEABCDDF-3180-4C76-A7CB-FC0B6AF0719A}" destId="{AADBD8E6-695F-4FE3-9A02-D807BC812A7C}" srcOrd="1" destOrd="0" presId="urn:microsoft.com/office/officeart/2005/8/layout/vList2"/>
   </dgm:cxnLst>
@@ -1063,8 +1128,8 @@
       </dsp:nvSpPr>
       <dsp:spPr>
         <a:xfrm>
-          <a:off x="0" y="1329704"/>
-          <a:ext cx="8298873" cy="1521000"/>
+          <a:off x="0" y="87602"/>
+          <a:ext cx="8298873" cy="1240200"/>
         </a:xfrm>
         <a:prstGeom prst="roundRect">
           <a:avLst/>
@@ -1105,12 +1170,12 @@
         </a:fontRef>
       </dsp:style>
       <dsp:txBody>
-        <a:bodyPr spcFirstLastPara="0" vert="horz" wrap="square" lIns="247650" tIns="247650" rIns="247650" bIns="247650" numCol="1" spcCol="1270" anchor="ctr" anchorCtr="0">
+        <a:bodyPr spcFirstLastPara="0" vert="horz" wrap="square" lIns="201930" tIns="201930" rIns="201930" bIns="201930" numCol="1" spcCol="1270" anchor="ctr" anchorCtr="0">
           <a:noAutofit/>
         </a:bodyPr>
         <a:lstStyle/>
         <a:p>
-          <a:pPr lvl="0" algn="l" defTabSz="2889250">
+          <a:pPr lvl="0" algn="l" defTabSz="2355850">
             <a:lnSpc>
               <a:spcPct val="90000"/>
             </a:lnSpc>
@@ -1122,15 +1187,15 @@
             </a:spcAft>
           </a:pPr>
           <a:r>
-            <a:rPr lang="en-US" sz="6500" b="1" kern="1200" smtClean="0"/>
+            <a:rPr lang="en-US" sz="5300" b="1" kern="1200" smtClean="0"/>
             <a:t>Java Script</a:t>
           </a:r>
-          <a:endParaRPr lang="en-US" sz="6500" kern="1200"/>
+          <a:endParaRPr lang="en-US" sz="5300" kern="1200"/>
         </a:p>
       </dsp:txBody>
       <dsp:txXfrm>
-        <a:off x="74249" y="1403953"/>
-        <a:ext cx="8150375" cy="1372502"/>
+        <a:off x="60542" y="148144"/>
+        <a:ext cx="8177789" cy="1119116"/>
       </dsp:txXfrm>
     </dsp:sp>
     <dsp:sp modelId="{AADBD8E6-695F-4FE3-9A02-D807BC812A7C}">
@@ -1140,8 +1205,8 @@
       </dsp:nvSpPr>
       <dsp:spPr>
         <a:xfrm>
-          <a:off x="0" y="2850704"/>
-          <a:ext cx="8298873" cy="1513687"/>
+          <a:off x="0" y="1327802"/>
+          <a:ext cx="8298873" cy="4278690"/>
         </a:xfrm>
         <a:prstGeom prst="rect">
           <a:avLst/>
@@ -1165,12 +1230,12 @@
         <a:fontRef idx="minor"/>
       </dsp:style>
       <dsp:txBody>
-        <a:bodyPr spcFirstLastPara="0" vert="horz" wrap="square" lIns="263489" tIns="82550" rIns="462280" bIns="82550" numCol="1" spcCol="1270" anchor="t" anchorCtr="0">
+        <a:bodyPr spcFirstLastPara="0" vert="horz" wrap="square" lIns="263489" tIns="67310" rIns="376936" bIns="67310" numCol="1" spcCol="1270" anchor="t" anchorCtr="0">
           <a:noAutofit/>
         </a:bodyPr>
         <a:lstStyle/>
         <a:p>
-          <a:pPr marL="285750" lvl="1" indent="-285750" algn="l" defTabSz="2266950">
+          <a:pPr marL="285750" lvl="1" indent="-285750" algn="l" defTabSz="1822450">
             <a:lnSpc>
               <a:spcPct val="90000"/>
             </a:lnSpc>
@@ -1183,15 +1248,72 @@
             <a:buChar char="••"/>
           </a:pPr>
           <a:r>
-            <a:rPr lang="en-US" sz="5100" kern="1200" smtClean="0"/>
-            <a:t>Kako JavaScript radi iza scene?</a:t>
+            <a:rPr lang="en-US" sz="4100" kern="1200" smtClean="0"/>
+            <a:t>Uvod u funkcionlno programiranje</a:t>
           </a:r>
-          <a:endParaRPr lang="en-US" sz="5100" kern="1200"/>
+          <a:endParaRPr lang="en-US" sz="4100" kern="1200"/>
+        </a:p>
+        <a:p>
+          <a:pPr marL="571500" lvl="2" indent="-285750" algn="l" defTabSz="1822450">
+            <a:lnSpc>
+              <a:spcPct val="90000"/>
+            </a:lnSpc>
+            <a:spcBef>
+              <a:spcPct val="0"/>
+            </a:spcBef>
+            <a:spcAft>
+              <a:spcPct val="20000"/>
+            </a:spcAft>
+            <a:buChar char="••"/>
+          </a:pPr>
+          <a:r>
+            <a:rPr lang="en-US" sz="4100" kern="1200" smtClean="0"/>
+            <a:t>Najveca tajna – da li su i funkcije u stvari objekti?</a:t>
+          </a:r>
+          <a:endParaRPr lang="en-US" sz="4100" kern="1200"/>
+        </a:p>
+        <a:p>
+          <a:pPr marL="571500" lvl="2" indent="-285750" algn="l" defTabSz="1822450">
+            <a:lnSpc>
+              <a:spcPct val="90000"/>
+            </a:lnSpc>
+            <a:spcBef>
+              <a:spcPct val="0"/>
+            </a:spcBef>
+            <a:spcAft>
+              <a:spcPct val="20000"/>
+            </a:spcAft>
+            <a:buChar char="••"/>
+          </a:pPr>
+          <a:r>
+            <a:rPr lang="en-US" sz="4100" kern="1200" smtClean="0"/>
+            <a:t>Function expression &amp; function statements</a:t>
+          </a:r>
+          <a:endParaRPr lang="en-US" sz="4100" kern="1200"/>
+        </a:p>
+        <a:p>
+          <a:pPr marL="285750" lvl="1" indent="-285750" algn="l" defTabSz="1822450">
+            <a:lnSpc>
+              <a:spcPct val="90000"/>
+            </a:lnSpc>
+            <a:spcBef>
+              <a:spcPct val="0"/>
+            </a:spcBef>
+            <a:spcAft>
+              <a:spcPct val="20000"/>
+            </a:spcAft>
+            <a:buChar char="••"/>
+          </a:pPr>
+          <a:r>
+            <a:rPr lang="en-US" sz="4100" kern="1200" smtClean="0"/>
+            <a:t>By Val vs By Ref</a:t>
+          </a:r>
+          <a:endParaRPr lang="en-US" sz="4100" kern="1200"/>
         </a:p>
       </dsp:txBody>
       <dsp:txXfrm>
-        <a:off x="0" y="2850704"/>
-        <a:ext cx="8298873" cy="1513687"/>
+        <a:off x="0" y="1327802"/>
+        <a:ext cx="8298873" cy="4278690"/>
       </dsp:txXfrm>
     </dsp:sp>
   </dsp:spTree>
@@ -2481,7 +2603,7 @@
           <a:p>
             <a:fld id="{D32AC403-8EB1-4D4E-8C3A-24BD19820531}" type="datetimeFigureOut">
               <a:rPr lang="en-US" smtClean="0"/>
-              <a:t>27-Feb-18</a:t>
+              <a:t>02-Mar-18</a:t>
             </a:fld>
             <a:endParaRPr lang="en-US"/>
           </a:p>
@@ -3227,7 +3349,7 @@
           <a:p>
             <a:fld id="{B35B300D-7DF5-4E96-8AA6-60E94C6E9F44}" type="datetimeFigureOut">
               <a:rPr lang="sr-Latn-RS" smtClean="0"/>
-              <a:t>27.2.2018.</a:t>
+              <a:t>2.3.2018.</a:t>
             </a:fld>
             <a:endParaRPr lang="sr-Latn-RS"/>
           </a:p>
@@ -3661,7 +3783,7 @@
           <a:p>
             <a:fld id="{B35B300D-7DF5-4E96-8AA6-60E94C6E9F44}" type="datetimeFigureOut">
               <a:rPr lang="sr-Latn-RS" smtClean="0"/>
-              <a:t>27.2.2018.</a:t>
+              <a:t>2.3.2018.</a:t>
             </a:fld>
             <a:endParaRPr lang="sr-Latn-RS"/>
           </a:p>
@@ -4035,7 +4157,7 @@
           <a:p>
             <a:fld id="{B35B300D-7DF5-4E96-8AA6-60E94C6E9F44}" type="datetimeFigureOut">
               <a:rPr lang="sr-Latn-RS" smtClean="0"/>
-              <a:t>27.2.2018.</a:t>
+              <a:t>2.3.2018.</a:t>
             </a:fld>
             <a:endParaRPr lang="sr-Latn-RS"/>
           </a:p>
@@ -4319,7 +4441,7 @@
           <a:p>
             <a:fld id="{B35B300D-7DF5-4E96-8AA6-60E94C6E9F44}" type="datetimeFigureOut">
               <a:rPr lang="sr-Latn-RS" smtClean="0"/>
-              <a:t>27.2.2018.</a:t>
+              <a:t>2.3.2018.</a:t>
             </a:fld>
             <a:endParaRPr lang="sr-Latn-RS"/>
           </a:p>
@@ -4496,7 +4618,7 @@
           <a:p>
             <a:fld id="{B35B300D-7DF5-4E96-8AA6-60E94C6E9F44}" type="datetimeFigureOut">
               <a:rPr lang="sr-Latn-RS" smtClean="0"/>
-              <a:t>27.2.2018.</a:t>
+              <a:t>2.3.2018.</a:t>
             </a:fld>
             <a:endParaRPr lang="sr-Latn-RS"/>
           </a:p>
@@ -4683,7 +4805,7 @@
           <a:p>
             <a:fld id="{B35B300D-7DF5-4E96-8AA6-60E94C6E9F44}" type="datetimeFigureOut">
               <a:rPr lang="sr-Latn-RS" smtClean="0"/>
-              <a:t>27.2.2018.</a:t>
+              <a:t>2.3.2018.</a:t>
             </a:fld>
             <a:endParaRPr lang="sr-Latn-RS"/>
           </a:p>
@@ -4930,7 +5052,7 @@
           <a:p>
             <a:fld id="{B35B300D-7DF5-4E96-8AA6-60E94C6E9F44}" type="datetimeFigureOut">
               <a:rPr lang="sr-Latn-RS" smtClean="0"/>
-              <a:t>27.2.2018.</a:t>
+              <a:t>2.3.2018.</a:t>
             </a:fld>
             <a:endParaRPr lang="sr-Latn-RS"/>
           </a:p>
@@ -5214,7 +5336,7 @@
           <a:p>
             <a:fld id="{B35B300D-7DF5-4E96-8AA6-60E94C6E9F44}" type="datetimeFigureOut">
               <a:rPr lang="sr-Latn-RS" smtClean="0"/>
-              <a:t>27.2.2018.</a:t>
+              <a:t>2.3.2018.</a:t>
             </a:fld>
             <a:endParaRPr lang="sr-Latn-RS"/>
           </a:p>
@@ -7133,7 +7255,7 @@
           <a:p>
             <a:fld id="{B35B300D-7DF5-4E96-8AA6-60E94C6E9F44}" type="datetimeFigureOut">
               <a:rPr lang="sr-Latn-RS" smtClean="0"/>
-              <a:t>27.2.2018.</a:t>
+              <a:t>2.3.2018.</a:t>
             </a:fld>
             <a:endParaRPr lang="sr-Latn-RS"/>
           </a:p>
@@ -7567,7 +7689,11 @@
             </a:br>
             <a:r>
               <a:rPr lang="en-US" b="1" smtClean="0"/>
-              <a:t>09</a:t>
+              <a:t>10 – </a:t>
+            </a:r>
+            <a:r>
+              <a:rPr lang="en-US" b="1" smtClean="0"/>
+              <a:t>02.03.2018</a:t>
             </a:r>
             <a:endParaRPr lang="en-US"/>
           </a:p>
@@ -7635,12 +7761,12 @@
       </p:grpSpPr>
       <p:sp>
         <p:nvSpPr>
-          <p:cNvPr id="2" name="Title 1"/>
+          <p:cNvPr id="5" name="Text Placeholder 4"/>
           <p:cNvSpPr>
             <a:spLocks noGrp="1"/>
           </p:cNvSpPr>
           <p:nvPr>
-            <p:ph type="title"/>
+            <p:ph type="body" sz="quarter" idx="10"/>
           </p:nvPr>
         </p:nvSpPr>
         <p:spPr/>
@@ -7649,47 +7775,67 @@
           <a:lstStyle/>
           <a:p>
             <a:r>
-              <a:rPr lang="en-US" smtClean="0"/>
-              <a:t>Variable object</a:t>
+              <a:rPr lang="sr-Latn-RS" smtClean="0"/>
+              <a:t>Sekcija</a:t>
+            </a:r>
+          </a:p>
+          <a:p>
+            <a:r>
+              <a:rPr lang="sr-Latn-RS" smtClean="0"/>
+              <a:t>JavaScript</a:t>
             </a:r>
             <a:endParaRPr lang="sr-Latn-RS"/>
           </a:p>
         </p:txBody>
       </p:sp>
-      <p:pic>
-        <p:nvPicPr>
-          <p:cNvPr id="4" name="Picture 3"/>
-          <p:cNvPicPr>
-            <a:picLocks noChangeAspect="1"/>
-          </p:cNvPicPr>
-          <p:nvPr/>
-        </p:nvPicPr>
-        <p:blipFill>
-          <a:blip r:embed="rId2"/>
-          <a:stretch>
-            <a:fillRect/>
-          </a:stretch>
-        </p:blipFill>
-        <p:spPr>
-          <a:xfrm>
-            <a:off x="488179" y="1418400"/>
-            <a:ext cx="11215041" cy="4736296"/>
-          </a:xfrm>
-          <a:prstGeom prst="rect">
-            <a:avLst/>
-          </a:prstGeom>
-        </p:spPr>
-      </p:pic>
+      <p:sp>
+        <p:nvSpPr>
+          <p:cNvPr id="6" name="Text Placeholder 5"/>
+          <p:cNvSpPr>
+            <a:spLocks noGrp="1"/>
+          </p:cNvSpPr>
+          <p:nvPr>
+            <p:ph type="body" sz="quarter" idx="11"/>
+          </p:nvPr>
+        </p:nvSpPr>
+        <p:spPr/>
+        <p:txBody>
+          <a:bodyPr/>
+          <a:lstStyle/>
+          <a:p>
+            <a:r>
+              <a:rPr lang="sr-Latn-RS" sz="4000" smtClean="0"/>
+              <a:t>Lekcija</a:t>
+            </a:r>
+          </a:p>
+          <a:p>
+            <a:r>
+              <a:rPr lang="en-US" sz="4000" smtClean="0">
+                <a:latin typeface="Consolas" panose="020B0609020204030204" pitchFamily="49" charset="0"/>
+              </a:rPr>
+              <a:t>By Val &amp; by Ref</a:t>
+            </a:r>
+            <a:endParaRPr lang="sr-Latn-RS" sz="4000"/>
+          </a:p>
+        </p:txBody>
+      </p:sp>
     </p:spTree>
     <p:extLst>
       <p:ext uri="{BB962C8B-B14F-4D97-AF65-F5344CB8AC3E}">
-        <p14:creationId xmlns:p14="http://schemas.microsoft.com/office/powerpoint/2010/main" val="3334350173"/>
+        <p14:creationId xmlns:p14="http://schemas.microsoft.com/office/powerpoint/2010/main" val="1678209918"/>
       </p:ext>
     </p:extLst>
   </p:cSld>
   <p:clrMapOvr>
     <a:masterClrMapping/>
   </p:clrMapOvr>
+  <p:timing>
+    <p:tnLst>
+      <p:par>
+        <p:cTn id="1" dur="indefinite" restart="never" nodeType="tmRoot"/>
+      </p:par>
+    </p:tnLst>
+  </p:timing>
 </p:sld>
 </file>
 
@@ -7712,7 +7858,7 @@
       </p:grpSpPr>
       <p:sp>
         <p:nvSpPr>
-          <p:cNvPr id="2" name="Title 1"/>
+          <p:cNvPr id="4" name="Title 3"/>
           <p:cNvSpPr>
             <a:spLocks noGrp="1"/>
           </p:cNvSpPr>
@@ -7727,7 +7873,7 @@
           <a:p>
             <a:r>
               <a:rPr lang="en-US" smtClean="0"/>
-              <a:t>Hoisting - primer</a:t>
+              <a:t>Primitivni tipovi</a:t>
             </a:r>
             <a:endParaRPr lang="sr-Latn-RS"/>
           </a:p>
@@ -7735,7 +7881,7 @@
       </p:sp>
       <p:pic>
         <p:nvPicPr>
-          <p:cNvPr id="4" name="Content Placeholder 3"/>
+          <p:cNvPr id="6" name="Content Placeholder 5"/>
           <p:cNvPicPr>
             <a:picLocks noGrp="1" noChangeAspect="1"/>
           </p:cNvPicPr>
@@ -7751,8 +7897,32 @@
         </p:blipFill>
         <p:spPr>
           <a:xfrm>
-            <a:off x="3145150" y="1560599"/>
-            <a:ext cx="3854165" cy="4592046"/>
+            <a:off x="2313992" y="2051050"/>
+            <a:ext cx="5636791" cy="3328988"/>
+          </a:xfrm>
+          <a:prstGeom prst="rect">
+            <a:avLst/>
+          </a:prstGeom>
+        </p:spPr>
+      </p:pic>
+      <p:pic>
+        <p:nvPicPr>
+          <p:cNvPr id="7" name="Picture 6"/>
+          <p:cNvPicPr>
+            <a:picLocks noChangeAspect="1"/>
+          </p:cNvPicPr>
+          <p:nvPr/>
+        </p:nvPicPr>
+        <p:blipFill>
+          <a:blip r:embed="rId3"/>
+          <a:stretch>
+            <a:fillRect/>
+          </a:stretch>
+        </p:blipFill>
+        <p:spPr>
+          <a:xfrm>
+            <a:off x="7950783" y="3007140"/>
+            <a:ext cx="2638793" cy="1076475"/>
           </a:xfrm>
           <a:prstGeom prst="rect">
             <a:avLst/>
@@ -7762,7 +7932,7 @@
     </p:spTree>
     <p:extLst>
       <p:ext uri="{BB962C8B-B14F-4D97-AF65-F5344CB8AC3E}">
-        <p14:creationId xmlns:p14="http://schemas.microsoft.com/office/powerpoint/2010/main" val="1746076935"/>
+        <p14:creationId xmlns:p14="http://schemas.microsoft.com/office/powerpoint/2010/main" val="900317143"/>
       </p:ext>
     </p:extLst>
   </p:cSld>
@@ -7806,112 +7976,21 @@
           <a:p>
             <a:r>
               <a:rPr lang="en-US" smtClean="0"/>
-              <a:t>Hoisting - vezbe</a:t>
+              <a:t>Objekti</a:t>
             </a:r>
             <a:endParaRPr lang="sr-Latn-RS"/>
           </a:p>
         </p:txBody>
       </p:sp>
-      <p:sp>
-        <p:nvSpPr>
-          <p:cNvPr id="3" name="Content Placeholder 2"/>
-          <p:cNvSpPr>
-            <a:spLocks noGrp="1"/>
-          </p:cNvSpPr>
+      <p:pic>
+        <p:nvPicPr>
+          <p:cNvPr id="4" name="Content Placeholder 3"/>
+          <p:cNvPicPr>
+            <a:picLocks noGrp="1" noChangeAspect="1"/>
+          </p:cNvPicPr>
           <p:nvPr>
             <p:ph sz="quarter" idx="10"/>
           </p:nvPr>
-        </p:nvSpPr>
-        <p:spPr/>
-        <p:txBody>
-          <a:bodyPr/>
-          <a:lstStyle/>
-          <a:p>
-            <a:r>
-              <a:rPr lang="sr-Latn-RS">
-                <a:hlinkClick r:id="rId2"/>
-              </a:rPr>
-              <a:t>https</a:t>
-            </a:r>
-            <a:r>
-              <a:rPr lang="sr-Latn-RS">
-                <a:hlinkClick r:id="rId2"/>
-              </a:rPr>
-              <a:t>://</a:t>
-            </a:r>
-            <a:r>
-              <a:rPr lang="sr-Latn-RS" smtClean="0">
-                <a:hlinkClick r:id="rId2"/>
-              </a:rPr>
-              <a:t>www.w3schools.com/js/js_hoisting.asp</a:t>
-            </a:r>
-            <a:endParaRPr lang="en-US" smtClean="0"/>
-          </a:p>
-          <a:p>
-            <a:endParaRPr lang="sr-Latn-RS"/>
-          </a:p>
-        </p:txBody>
-      </p:sp>
-    </p:spTree>
-    <p:extLst>
-      <p:ext uri="{BB962C8B-B14F-4D97-AF65-F5344CB8AC3E}">
-        <p14:creationId xmlns:p14="http://schemas.microsoft.com/office/powerpoint/2010/main" val="4202785491"/>
-      </p:ext>
-    </p:extLst>
-  </p:cSld>
-  <p:clrMapOvr>
-    <a:masterClrMapping/>
-  </p:clrMapOvr>
-</p:sld>
-</file>
-
-<file path=ppt/slides/slide13.xml><?xml version="1.0" encoding="utf-8"?>
-<p:sld xmlns:a="http://schemas.openxmlformats.org/drawingml/2006/main" xmlns:r="http://schemas.openxmlformats.org/officeDocument/2006/relationships" xmlns:p="http://schemas.openxmlformats.org/presentationml/2006/main">
-  <p:cSld>
-    <p:spTree>
-      <p:nvGrpSpPr>
-        <p:cNvPr id="1" name=""/>
-        <p:cNvGrpSpPr/>
-        <p:nvPr/>
-      </p:nvGrpSpPr>
-      <p:grpSpPr>
-        <a:xfrm>
-          <a:off x="0" y="0"/>
-          <a:ext cx="0" cy="0"/>
-          <a:chOff x="0" y="0"/>
-          <a:chExt cx="0" cy="0"/>
-        </a:xfrm>
-      </p:grpSpPr>
-      <p:sp>
-        <p:nvSpPr>
-          <p:cNvPr id="2" name="Title 1"/>
-          <p:cNvSpPr>
-            <a:spLocks noGrp="1"/>
-          </p:cNvSpPr>
-          <p:nvPr>
-            <p:ph type="title"/>
-          </p:nvPr>
-        </p:nvSpPr>
-        <p:spPr/>
-        <p:txBody>
-          <a:bodyPr/>
-          <a:lstStyle/>
-          <a:p>
-            <a:r>
-              <a:rPr lang="en-US" smtClean="0"/>
-              <a:t>Scoping and scoping chain</a:t>
-            </a:r>
-            <a:endParaRPr lang="sr-Latn-RS"/>
-          </a:p>
-        </p:txBody>
-      </p:sp>
-      <p:pic>
-        <p:nvPicPr>
-          <p:cNvPr id="5" name="Picture 4"/>
-          <p:cNvPicPr>
-            <a:picLocks noChangeAspect="1"/>
-          </p:cNvPicPr>
-          <p:nvPr/>
         </p:nvPicPr>
         <p:blipFill>
           <a:blip r:embed="rId2"/>
@@ -7921,8 +8000,8 @@
         </p:blipFill>
         <p:spPr>
           <a:xfrm>
-            <a:off x="536902" y="1267399"/>
-            <a:ext cx="9163208" cy="4684514"/>
+            <a:off x="2796655" y="1418400"/>
+            <a:ext cx="5507760" cy="4309102"/>
           </a:xfrm>
           <a:prstGeom prst="rect">
             <a:avLst/>
@@ -7932,382 +8011,7 @@
     </p:spTree>
     <p:extLst>
       <p:ext uri="{BB962C8B-B14F-4D97-AF65-F5344CB8AC3E}">
-        <p14:creationId xmlns:p14="http://schemas.microsoft.com/office/powerpoint/2010/main" val="2493174793"/>
-      </p:ext>
-    </p:extLst>
-  </p:cSld>
-  <p:clrMapOvr>
-    <a:masterClrMapping/>
-  </p:clrMapOvr>
-</p:sld>
-</file>
-
-<file path=ppt/slides/slide14.xml><?xml version="1.0" encoding="utf-8"?>
-<p:sld xmlns:a="http://schemas.openxmlformats.org/drawingml/2006/main" xmlns:r="http://schemas.openxmlformats.org/officeDocument/2006/relationships" xmlns:p="http://schemas.openxmlformats.org/presentationml/2006/main">
-  <p:cSld>
-    <p:spTree>
-      <p:nvGrpSpPr>
-        <p:cNvPr id="1" name=""/>
-        <p:cNvGrpSpPr/>
-        <p:nvPr/>
-      </p:nvGrpSpPr>
-      <p:grpSpPr>
-        <a:xfrm>
-          <a:off x="0" y="0"/>
-          <a:ext cx="0" cy="0"/>
-          <a:chOff x="0" y="0"/>
-          <a:chExt cx="0" cy="0"/>
-        </a:xfrm>
-      </p:grpSpPr>
-      <p:sp>
-        <p:nvSpPr>
-          <p:cNvPr id="2" name="Title 1"/>
-          <p:cNvSpPr>
-            <a:spLocks noGrp="1"/>
-          </p:cNvSpPr>
-          <p:nvPr>
-            <p:ph type="title"/>
-          </p:nvPr>
-        </p:nvSpPr>
-        <p:spPr/>
-        <p:txBody>
-          <a:bodyPr/>
-          <a:lstStyle/>
-          <a:p>
-            <a:endParaRPr lang="sr-Latn-RS"/>
-          </a:p>
-        </p:txBody>
-      </p:sp>
-      <p:sp>
-        <p:nvSpPr>
-          <p:cNvPr id="3" name="Content Placeholder 2"/>
-          <p:cNvSpPr>
-            <a:spLocks noGrp="1"/>
-          </p:cNvSpPr>
-          <p:nvPr>
-            <p:ph sz="quarter" idx="10"/>
-          </p:nvPr>
-        </p:nvSpPr>
-        <p:spPr/>
-        <p:txBody>
-          <a:bodyPr/>
-          <a:lstStyle/>
-          <a:p>
-            <a:endParaRPr lang="sr-Latn-RS"/>
-          </a:p>
-        </p:txBody>
-      </p:sp>
-      <p:pic>
-        <p:nvPicPr>
-          <p:cNvPr id="4" name="Picture 3"/>
-          <p:cNvPicPr>
-            <a:picLocks noChangeAspect="1"/>
-          </p:cNvPicPr>
-          <p:nvPr/>
-        </p:nvPicPr>
-        <p:blipFill>
-          <a:blip r:embed="rId2"/>
-          <a:stretch>
-            <a:fillRect/>
-          </a:stretch>
-        </p:blipFill>
-        <p:spPr>
-          <a:xfrm>
-            <a:off x="0" y="0"/>
-            <a:ext cx="10292338" cy="5628424"/>
-          </a:xfrm>
-          <a:prstGeom prst="rect">
-            <a:avLst/>
-          </a:prstGeom>
-        </p:spPr>
-      </p:pic>
-    </p:spTree>
-    <p:extLst>
-      <p:ext uri="{BB962C8B-B14F-4D97-AF65-F5344CB8AC3E}">
-        <p14:creationId xmlns:p14="http://schemas.microsoft.com/office/powerpoint/2010/main" val="762602519"/>
-      </p:ext>
-    </p:extLst>
-  </p:cSld>
-  <p:clrMapOvr>
-    <a:masterClrMapping/>
-  </p:clrMapOvr>
-</p:sld>
-</file>
-
-<file path=ppt/slides/slide15.xml><?xml version="1.0" encoding="utf-8"?>
-<p:sld xmlns:a="http://schemas.openxmlformats.org/drawingml/2006/main" xmlns:r="http://schemas.openxmlformats.org/officeDocument/2006/relationships" xmlns:p="http://schemas.openxmlformats.org/presentationml/2006/main">
-  <p:cSld>
-    <p:spTree>
-      <p:nvGrpSpPr>
-        <p:cNvPr id="1" name=""/>
-        <p:cNvGrpSpPr/>
-        <p:nvPr/>
-      </p:nvGrpSpPr>
-      <p:grpSpPr>
-        <a:xfrm>
-          <a:off x="0" y="0"/>
-          <a:ext cx="0" cy="0"/>
-          <a:chOff x="0" y="0"/>
-          <a:chExt cx="0" cy="0"/>
-        </a:xfrm>
-      </p:grpSpPr>
-      <p:sp>
-        <p:nvSpPr>
-          <p:cNvPr id="2" name="Title 1"/>
-          <p:cNvSpPr>
-            <a:spLocks noGrp="1"/>
-          </p:cNvSpPr>
-          <p:nvPr>
-            <p:ph type="title"/>
-          </p:nvPr>
-        </p:nvSpPr>
-        <p:spPr/>
-        <p:txBody>
-          <a:bodyPr/>
-          <a:lstStyle/>
-          <a:p>
-            <a:r>
-              <a:rPr lang="en-US" smtClean="0"/>
-              <a:t>Scope chanin – drugi smer nije dozvoljen</a:t>
-            </a:r>
-            <a:endParaRPr lang="sr-Latn-RS"/>
-          </a:p>
-        </p:txBody>
-      </p:sp>
-      <p:sp>
-        <p:nvSpPr>
-          <p:cNvPr id="3" name="Content Placeholder 2"/>
-          <p:cNvSpPr>
-            <a:spLocks noGrp="1"/>
-          </p:cNvSpPr>
-          <p:nvPr>
-            <p:ph sz="quarter" idx="10"/>
-          </p:nvPr>
-        </p:nvSpPr>
-        <p:spPr>
-          <a:xfrm>
-            <a:off x="609600" y="2051050"/>
-            <a:ext cx="9045146" cy="1473546"/>
-          </a:xfrm>
-        </p:spPr>
-        <p:txBody>
-          <a:bodyPr/>
-          <a:lstStyle/>
-          <a:p>
-            <a:r>
-              <a:rPr lang="en-US" smtClean="0"/>
-              <a:t>Nikad iz global scope-a ne mozemo da pristupimo varijabli koja je u funkciji, OSIM ako ta funkcija VRATI vrednost pozivaocu!</a:t>
-            </a:r>
-            <a:endParaRPr lang="sr-Latn-RS"/>
-          </a:p>
-        </p:txBody>
-      </p:sp>
-      <p:pic>
-        <p:nvPicPr>
-          <p:cNvPr id="4" name="Picture 3"/>
-          <p:cNvPicPr>
-            <a:picLocks noChangeAspect="1"/>
-          </p:cNvPicPr>
-          <p:nvPr/>
-        </p:nvPicPr>
-        <p:blipFill>
-          <a:blip r:embed="rId2"/>
-          <a:stretch>
-            <a:fillRect/>
-          </a:stretch>
-        </p:blipFill>
-        <p:spPr>
-          <a:xfrm>
-            <a:off x="4405745" y="3078241"/>
-            <a:ext cx="5600257" cy="3062533"/>
-          </a:xfrm>
-          <a:prstGeom prst="rect">
-            <a:avLst/>
-          </a:prstGeom>
-        </p:spPr>
-      </p:pic>
-    </p:spTree>
-    <p:extLst>
-      <p:ext uri="{BB962C8B-B14F-4D97-AF65-F5344CB8AC3E}">
-        <p14:creationId xmlns:p14="http://schemas.microsoft.com/office/powerpoint/2010/main" val="80679936"/>
-      </p:ext>
-    </p:extLst>
-  </p:cSld>
-  <p:clrMapOvr>
-    <a:masterClrMapping/>
-  </p:clrMapOvr>
-</p:sld>
-</file>
-
-<file path=ppt/slides/slide16.xml><?xml version="1.0" encoding="utf-8"?>
-<p:sld xmlns:a="http://schemas.openxmlformats.org/drawingml/2006/main" xmlns:r="http://schemas.openxmlformats.org/officeDocument/2006/relationships" xmlns:p="http://schemas.openxmlformats.org/presentationml/2006/main">
-  <p:cSld>
-    <p:spTree>
-      <p:nvGrpSpPr>
-        <p:cNvPr id="1" name=""/>
-        <p:cNvGrpSpPr/>
-        <p:nvPr/>
-      </p:nvGrpSpPr>
-      <p:grpSpPr>
-        <a:xfrm>
-          <a:off x="0" y="0"/>
-          <a:ext cx="0" cy="0"/>
-          <a:chOff x="0" y="0"/>
-          <a:chExt cx="0" cy="0"/>
-        </a:xfrm>
-      </p:grpSpPr>
-      <p:sp>
-        <p:nvSpPr>
-          <p:cNvPr id="2" name="Title 1"/>
-          <p:cNvSpPr>
-            <a:spLocks noGrp="1"/>
-          </p:cNvSpPr>
-          <p:nvPr>
-            <p:ph type="title"/>
-          </p:nvPr>
-        </p:nvSpPr>
-        <p:spPr/>
-        <p:txBody>
-          <a:bodyPr/>
-          <a:lstStyle/>
-          <a:p>
-            <a:r>
-              <a:rPr lang="en-US" smtClean="0"/>
-              <a:t>Scope chain vs Execution context</a:t>
-            </a:r>
-            <a:endParaRPr lang="sr-Latn-RS"/>
-          </a:p>
-        </p:txBody>
-      </p:sp>
-      <p:pic>
-        <p:nvPicPr>
-          <p:cNvPr id="4" name="Picture 3"/>
-          <p:cNvPicPr>
-            <a:picLocks noChangeAspect="1"/>
-          </p:cNvPicPr>
-          <p:nvPr/>
-        </p:nvPicPr>
-        <p:blipFill>
-          <a:blip r:embed="rId2"/>
-          <a:stretch>
-            <a:fillRect/>
-          </a:stretch>
-        </p:blipFill>
-        <p:spPr>
-          <a:xfrm>
-            <a:off x="523702" y="1111348"/>
-            <a:ext cx="10039060" cy="4827662"/>
-          </a:xfrm>
-          <a:prstGeom prst="rect">
-            <a:avLst/>
-          </a:prstGeom>
-        </p:spPr>
-      </p:pic>
-    </p:spTree>
-    <p:extLst>
-      <p:ext uri="{BB962C8B-B14F-4D97-AF65-F5344CB8AC3E}">
-        <p14:creationId xmlns:p14="http://schemas.microsoft.com/office/powerpoint/2010/main" val="2067346118"/>
-      </p:ext>
-    </p:extLst>
-  </p:cSld>
-  <p:clrMapOvr>
-    <a:masterClrMapping/>
-  </p:clrMapOvr>
-</p:sld>
-</file>
-
-<file path=ppt/slides/slide17.xml><?xml version="1.0" encoding="utf-8"?>
-<p:sld xmlns:a="http://schemas.openxmlformats.org/drawingml/2006/main" xmlns:r="http://schemas.openxmlformats.org/officeDocument/2006/relationships" xmlns:p="http://schemas.openxmlformats.org/presentationml/2006/main">
-  <p:cSld>
-    <p:spTree>
-      <p:nvGrpSpPr>
-        <p:cNvPr id="1" name=""/>
-        <p:cNvGrpSpPr/>
-        <p:nvPr/>
-      </p:nvGrpSpPr>
-      <p:grpSpPr>
-        <a:xfrm>
-          <a:off x="0" y="0"/>
-          <a:ext cx="0" cy="0"/>
-          <a:chOff x="0" y="0"/>
-          <a:chExt cx="0" cy="0"/>
-        </a:xfrm>
-      </p:grpSpPr>
-      <p:sp>
-        <p:nvSpPr>
-          <p:cNvPr id="2" name="Title 1"/>
-          <p:cNvSpPr>
-            <a:spLocks noGrp="1"/>
-          </p:cNvSpPr>
-          <p:nvPr>
-            <p:ph type="title"/>
-          </p:nvPr>
-        </p:nvSpPr>
-        <p:spPr/>
-        <p:txBody>
-          <a:bodyPr/>
-          <a:lstStyle/>
-          <a:p>
-            <a:r>
-              <a:rPr lang="en-US" smtClean="0"/>
-              <a:t>‘this’ variable</a:t>
-            </a:r>
-            <a:endParaRPr lang="sr-Latn-RS"/>
-          </a:p>
-        </p:txBody>
-      </p:sp>
-      <p:pic>
-        <p:nvPicPr>
-          <p:cNvPr id="4" name="Picture 3"/>
-          <p:cNvPicPr>
-            <a:picLocks noChangeAspect="1"/>
-          </p:cNvPicPr>
-          <p:nvPr/>
-        </p:nvPicPr>
-        <p:blipFill>
-          <a:blip r:embed="rId2"/>
-          <a:stretch>
-            <a:fillRect/>
-          </a:stretch>
-        </p:blipFill>
-        <p:spPr>
-          <a:xfrm>
-            <a:off x="424831" y="1418400"/>
-            <a:ext cx="9027467" cy="4116273"/>
-          </a:xfrm>
-          <a:prstGeom prst="rect">
-            <a:avLst/>
-          </a:prstGeom>
-        </p:spPr>
-      </p:pic>
-      <p:pic>
-        <p:nvPicPr>
-          <p:cNvPr id="5" name="Picture 4"/>
-          <p:cNvPicPr>
-            <a:picLocks noChangeAspect="1"/>
-          </p:cNvPicPr>
-          <p:nvPr/>
-        </p:nvPicPr>
-        <p:blipFill>
-          <a:blip r:embed="rId3"/>
-          <a:stretch>
-            <a:fillRect/>
-          </a:stretch>
-        </p:blipFill>
-        <p:spPr>
-          <a:xfrm>
-            <a:off x="9636947" y="1418400"/>
-            <a:ext cx="2048161" cy="2343477"/>
-          </a:xfrm>
-          <a:prstGeom prst="rect">
-            <a:avLst/>
-          </a:prstGeom>
-        </p:spPr>
-      </p:pic>
-    </p:spTree>
-    <p:extLst>
-      <p:ext uri="{BB962C8B-B14F-4D97-AF65-F5344CB8AC3E}">
-        <p14:creationId xmlns:p14="http://schemas.microsoft.com/office/powerpoint/2010/main" val="3651124489"/>
+        <p14:creationId xmlns:p14="http://schemas.microsoft.com/office/powerpoint/2010/main" val="1386102414"/>
       </p:ext>
     </p:extLst>
   </p:cSld>
@@ -8397,7 +8101,7 @@
           <p:nvPr>
             <p:extLst>
               <p:ext uri="{D42A27DB-BD31-4B8C-83A1-F6EECF244321}">
-                <p14:modId xmlns:p14="http://schemas.microsoft.com/office/powerpoint/2010/main" val="2452368090"/>
+                <p14:modId xmlns:p14="http://schemas.microsoft.com/office/powerpoint/2010/main" val="2283244341"/>
               </p:ext>
             </p:extLst>
           </p:nvPr>
@@ -8524,21 +8228,21 @@
             <a:pPr lvl="1"/>
             <a:r>
               <a:rPr lang="en-US" smtClean="0"/>
-              <a:t>Kako formiramo objekat?</a:t>
+              <a:t>Hoisting</a:t>
             </a:r>
           </a:p>
           <a:p>
             <a:pPr lvl="1"/>
             <a:r>
               <a:rPr lang="en-US" smtClean="0"/>
-              <a:t>Kako dodajemo propertie-s objektu?</a:t>
+              <a:t>Execution context</a:t>
             </a:r>
           </a:p>
           <a:p>
             <a:pPr lvl="1"/>
             <a:r>
               <a:rPr lang="en-US" smtClean="0"/>
-              <a:t>Kako formiramo metode novonastalom objektu?</a:t>
+              <a:t>Lexical scoping</a:t>
             </a:r>
             <a:endParaRPr lang="sr-Latn-RS"/>
           </a:p>
@@ -8562,6 +8266,30 @@
           <a:xfrm>
             <a:off x="10053638" y="4719332"/>
             <a:ext cx="2138362" cy="2138362"/>
+          </a:xfrm>
+          <a:prstGeom prst="rect">
+            <a:avLst/>
+          </a:prstGeom>
+        </p:spPr>
+      </p:pic>
+      <p:pic>
+        <p:nvPicPr>
+          <p:cNvPr id="5" name="Picture 4"/>
+          <p:cNvPicPr>
+            <a:picLocks noChangeAspect="1"/>
+          </p:cNvPicPr>
+          <p:nvPr/>
+        </p:nvPicPr>
+        <p:blipFill>
+          <a:blip r:embed="rId3"/>
+          <a:stretch>
+            <a:fillRect/>
+          </a:stretch>
+        </p:blipFill>
+        <p:spPr>
+          <a:xfrm>
+            <a:off x="3819618" y="1343585"/>
+            <a:ext cx="6234020" cy="4774347"/>
           </a:xfrm>
           <a:prstGeom prst="rect">
             <a:avLst/>
@@ -8656,10 +8384,10 @@
           </a:p>
           <a:p>
             <a:r>
-              <a:rPr lang="sr-Latn-RS" sz="4000" smtClean="0">
+              <a:rPr lang="en-US" sz="4000" smtClean="0">
                 <a:latin typeface="Consolas" panose="020B0609020204030204" pitchFamily="49" charset="0"/>
               </a:rPr>
-              <a:t>Šta se dešava iza scene?</a:t>
+              <a:t>Functions – first class</a:t>
             </a:r>
             <a:endParaRPr lang="sr-Latn-RS" sz="4000"/>
           </a:p>
@@ -8718,8 +8446,8 @@
           <a:lstStyle/>
           <a:p>
             <a:r>
-              <a:rPr lang="sr-Latn-RS" smtClean="0"/>
-              <a:t>Šta se dešava sa našim codom?</a:t>
+              <a:rPr lang="en-US" smtClean="0"/>
+              <a:t>Expression - izraz</a:t>
             </a:r>
             <a:endParaRPr lang="sr-Latn-RS"/>
           </a:p>
@@ -8727,7 +8455,7 @@
       </p:sp>
       <p:pic>
         <p:nvPicPr>
-          <p:cNvPr id="7" name="Picture 6"/>
+          <p:cNvPr id="6" name="Picture 5"/>
           <p:cNvPicPr>
             <a:picLocks noChangeAspect="1"/>
           </p:cNvPicPr>
@@ -8741,8 +8469,8 @@
         </p:blipFill>
         <p:spPr>
           <a:xfrm>
-            <a:off x="431800" y="1124015"/>
-            <a:ext cx="10543133" cy="4554790"/>
+            <a:off x="1197980" y="1310335"/>
+            <a:ext cx="7297628" cy="4055009"/>
           </a:xfrm>
           <a:prstGeom prst="rect">
             <a:avLst/>
@@ -8752,20 +8480,13 @@
     </p:spTree>
     <p:extLst>
       <p:ext uri="{BB962C8B-B14F-4D97-AF65-F5344CB8AC3E}">
-        <p14:creationId xmlns:p14="http://schemas.microsoft.com/office/powerpoint/2010/main" val="2171745398"/>
+        <p14:creationId xmlns:p14="http://schemas.microsoft.com/office/powerpoint/2010/main" val="3176181093"/>
       </p:ext>
     </p:extLst>
   </p:cSld>
   <p:clrMapOvr>
     <a:masterClrMapping/>
   </p:clrMapOvr>
-  <p:timing>
-    <p:tnLst>
-      <p:par>
-        <p:cTn id="1" dur="indefinite" restart="never" nodeType="tmRoot"/>
-      </p:par>
-    </p:tnLst>
-  </p:timing>
 </p:sld>
 </file>
 
@@ -8802,8 +8523,8 @@
           <a:lstStyle/>
           <a:p>
             <a:r>
-              <a:rPr lang="sr-Latn-RS" smtClean="0"/>
-              <a:t>Execution context</a:t>
+              <a:rPr lang="en-US" smtClean="0"/>
+              <a:t>Function statements</a:t>
             </a:r>
             <a:endParaRPr lang="sr-Latn-RS"/>
           </a:p>
@@ -8811,13 +8532,11 @@
       </p:sp>
       <p:pic>
         <p:nvPicPr>
-          <p:cNvPr id="5" name="Content Placeholder 4"/>
+          <p:cNvPr id="4" name="Picture 3"/>
           <p:cNvPicPr>
-            <a:picLocks noGrp="1" noChangeAspect="1"/>
+            <a:picLocks noChangeAspect="1"/>
           </p:cNvPicPr>
-          <p:nvPr>
-            <p:ph sz="quarter" idx="10"/>
-          </p:nvPr>
+          <p:nvPr/>
         </p:nvPicPr>
         <p:blipFill>
           <a:blip r:embed="rId2"/>
@@ -8827,32 +8546,8 @@
         </p:blipFill>
         <p:spPr>
           <a:xfrm>
-            <a:off x="1112737" y="1701915"/>
-            <a:ext cx="2669279" cy="3328988"/>
-          </a:xfrm>
-          <a:prstGeom prst="rect">
-            <a:avLst/>
-          </a:prstGeom>
-        </p:spPr>
-      </p:pic>
-      <p:pic>
-        <p:nvPicPr>
-          <p:cNvPr id="6" name="Picture 5"/>
-          <p:cNvPicPr>
-            <a:picLocks noChangeAspect="1"/>
-          </p:cNvPicPr>
-          <p:nvPr/>
-        </p:nvPicPr>
-        <p:blipFill>
-          <a:blip r:embed="rId3"/>
-          <a:stretch>
-            <a:fillRect/>
-          </a:stretch>
-        </p:blipFill>
-        <p:spPr>
-          <a:xfrm>
-            <a:off x="5058798" y="1552285"/>
-            <a:ext cx="4633841" cy="4764811"/>
+            <a:off x="881149" y="1418400"/>
+            <a:ext cx="8836658" cy="4471093"/>
           </a:xfrm>
           <a:prstGeom prst="rect">
             <a:avLst/>
@@ -8862,20 +8557,13 @@
     </p:spTree>
     <p:extLst>
       <p:ext uri="{BB962C8B-B14F-4D97-AF65-F5344CB8AC3E}">
-        <p14:creationId xmlns:p14="http://schemas.microsoft.com/office/powerpoint/2010/main" val="945388719"/>
+        <p14:creationId xmlns:p14="http://schemas.microsoft.com/office/powerpoint/2010/main" val="298230688"/>
       </p:ext>
     </p:extLst>
   </p:cSld>
   <p:clrMapOvr>
     <a:masterClrMapping/>
   </p:clrMapOvr>
-  <p:timing>
-    <p:tnLst>
-      <p:par>
-        <p:cTn id="1" dur="indefinite" restart="never" nodeType="tmRoot"/>
-      </p:par>
-    </p:tnLst>
-  </p:timing>
 </p:sld>
 </file>
 
@@ -8906,27 +8594,14 @@
             <p:ph type="title"/>
           </p:nvPr>
         </p:nvSpPr>
-        <p:spPr>
-          <a:xfrm>
-            <a:off x="961905" y="259890"/>
-            <a:ext cx="10972440" cy="1144800"/>
-          </a:xfrm>
-        </p:spPr>
+        <p:spPr/>
         <p:txBody>
           <a:bodyPr/>
           <a:lstStyle/>
           <a:p>
             <a:r>
-              <a:rPr lang="sr-Latn-RS" smtClean="0"/>
-              <a:t>Execution con</a:t>
-            </a:r>
-            <a:r>
-              <a:rPr lang="en-US" smtClean="0"/>
-              <a:t>te</a:t>
-            </a:r>
-            <a:r>
-              <a:rPr lang="sr-Latn-RS" smtClean="0"/>
-              <a:t>xt – nastavak</a:t>
+              <a:rPr lang="en-US" smtClean="0"/>
+              <a:t>Function expression</a:t>
             </a:r>
             <a:endParaRPr lang="sr-Latn-RS"/>
           </a:p>
@@ -8934,31 +8609,24 @@
       </p:sp>
       <p:pic>
         <p:nvPicPr>
-          <p:cNvPr id="23" name="C03-S03-L03Trim">
-            <a:hlinkClick r:id="" action="ppaction://media"/>
-          </p:cNvPr>
+          <p:cNvPr id="4" name="Content Placeholder 3"/>
           <p:cNvPicPr>
-            <a:picLocks noChangeAspect="1"/>
+            <a:picLocks noGrp="1" noChangeAspect="1"/>
           </p:cNvPicPr>
           <p:nvPr>
-            <a:videoFile r:link="rId2"/>
-            <p:extLst>
-              <p:ext uri="{DAA4B4D4-6D71-4841-9C94-3DE7FCFB9230}">
-                <p14:media xmlns:p14="http://schemas.microsoft.com/office/powerpoint/2010/main" r:link="rId1"/>
-              </p:ext>
-            </p:extLst>
+            <p:ph sz="quarter" idx="10"/>
           </p:nvPr>
         </p:nvPicPr>
         <p:blipFill>
-          <a:blip r:embed="rId4"/>
+          <a:blip r:embed="rId2"/>
           <a:stretch>
             <a:fillRect/>
           </a:stretch>
         </p:blipFill>
         <p:spPr>
           <a:xfrm>
-            <a:off x="790575" y="1165666"/>
-            <a:ext cx="8991480" cy="5057708"/>
+            <a:off x="609480" y="1801669"/>
+            <a:ext cx="8268513" cy="4131694"/>
           </a:xfrm>
           <a:prstGeom prst="rect">
             <a:avLst/>
@@ -8968,93 +8636,13 @@
     </p:spTree>
     <p:extLst>
       <p:ext uri="{BB962C8B-B14F-4D97-AF65-F5344CB8AC3E}">
-        <p14:creationId xmlns:p14="http://schemas.microsoft.com/office/powerpoint/2010/main" val="2559449841"/>
+        <p14:creationId xmlns:p14="http://schemas.microsoft.com/office/powerpoint/2010/main" val="1007141760"/>
       </p:ext>
     </p:extLst>
   </p:cSld>
   <p:clrMapOvr>
     <a:masterClrMapping/>
   </p:clrMapOvr>
-  <p:timing>
-    <p:tnLst>
-      <p:par>
-        <p:cTn id="1" dur="indefinite" restart="never" nodeType="tmRoot">
-          <p:childTnLst>
-            <p:seq concurrent="1" nextAc="seek">
-              <p:cTn id="2" restart="whenNotActive" fill="hold" evtFilter="cancelBubble" nodeType="interactiveSeq">
-                <p:stCondLst>
-                  <p:cond evt="onClick" delay="0">
-                    <p:tgtEl>
-                      <p:spTgt spid="23"/>
-                    </p:tgtEl>
-                  </p:cond>
-                </p:stCondLst>
-                <p:endSync evt="end" delay="0">
-                  <p:rtn val="all"/>
-                </p:endSync>
-                <p:childTnLst>
-                  <p:par>
-                    <p:cTn id="3" fill="hold">
-                      <p:stCondLst>
-                        <p:cond delay="0"/>
-                      </p:stCondLst>
-                      <p:childTnLst>
-                        <p:par>
-                          <p:cTn id="4" fill="hold">
-                            <p:stCondLst>
-                              <p:cond delay="0"/>
-                            </p:stCondLst>
-                            <p:childTnLst>
-                              <p:par>
-                                <p:cTn id="5" presetID="2" presetClass="mediacall" presetSubtype="0" fill="hold" nodeType="clickEffect">
-                                  <p:stCondLst>
-                                    <p:cond delay="0"/>
-                                  </p:stCondLst>
-                                  <p:childTnLst>
-                                    <p:cmd type="call" cmd="togglePause">
-                                      <p:cBhvr>
-                                        <p:cTn id="6" dur="1" fill="hold"/>
-                                        <p:tgtEl>
-                                          <p:spTgt spid="23"/>
-                                        </p:tgtEl>
-                                      </p:cBhvr>
-                                    </p:cmd>
-                                  </p:childTnLst>
-                                </p:cTn>
-                              </p:par>
-                            </p:childTnLst>
-                          </p:cTn>
-                        </p:par>
-                      </p:childTnLst>
-                    </p:cTn>
-                  </p:par>
-                </p:childTnLst>
-              </p:cTn>
-              <p:nextCondLst>
-                <p:cond evt="onClick" delay="0">
-                  <p:tgtEl>
-                    <p:spTgt spid="23"/>
-                  </p:tgtEl>
-                </p:cond>
-              </p:nextCondLst>
-            </p:seq>
-            <p:video>
-              <p:cMediaNode vol="0" mute="1">
-                <p:cTn id="7" fill="hold" display="0">
-                  <p:stCondLst>
-                    <p:cond delay="indefinite"/>
-                  </p:stCondLst>
-                </p:cTn>
-                <p:tgtEl>
-                  <p:spTgt spid="23"/>
-                </p:tgtEl>
-              </p:cMediaNode>
-            </p:video>
-          </p:childTnLst>
-        </p:cTn>
-      </p:par>
-    </p:tnLst>
-  </p:timing>
 </p:sld>
 </file>
 
@@ -9092,7 +8680,7 @@
           <a:p>
             <a:r>
               <a:rPr lang="en-US" smtClean="0"/>
-              <a:t>Execution stack</a:t>
+              <a:t>Konacno – primer za tvrdnju</a:t>
             </a:r>
             <a:endParaRPr lang="sr-Latn-RS"/>
           </a:p>
@@ -9115,7 +8703,7 @@
           <a:p>
             <a:r>
               <a:rPr lang="en-US" smtClean="0"/>
-              <a:t>Stack na kom u jednom momentu uvek postoji nekoliko funkcija koje su pozvane, a jos uvek su u procesu izvrsavanja!</a:t>
+              <a:t>Funkcije su objekti!</a:t>
             </a:r>
             <a:endParaRPr lang="sr-Latn-RS"/>
           </a:p>
@@ -9124,7 +8712,7 @@
     </p:spTree>
     <p:extLst>
       <p:ext uri="{BB962C8B-B14F-4D97-AF65-F5344CB8AC3E}">
-        <p14:creationId xmlns:p14="http://schemas.microsoft.com/office/powerpoint/2010/main" val="246624540"/>
+        <p14:creationId xmlns:p14="http://schemas.microsoft.com/office/powerpoint/2010/main" val="776734828"/>
       </p:ext>
     </p:extLst>
   </p:cSld>
@@ -9167,65 +8755,48 @@
           <a:lstStyle/>
           <a:p>
             <a:r>
-              <a:rPr lang="en-US" smtClean="0"/>
-              <a:t>Execution context - detalji</a:t>
+              <a:rPr lang="en-US"/>
+              <a:t>t</a:t>
+            </a:r>
+            <a:r>
+              <a:rPr lang="en-US" smtClean="0"/>
+              <a:t>his ponovo na primeru</a:t>
             </a:r>
             <a:endParaRPr lang="sr-Latn-RS"/>
           </a:p>
         </p:txBody>
       </p:sp>
-      <p:pic>
-        <p:nvPicPr>
-          <p:cNvPr id="4" name="Picture 3"/>
-          <p:cNvPicPr>
-            <a:picLocks noChangeAspect="1"/>
-          </p:cNvPicPr>
-          <p:nvPr/>
-        </p:nvPicPr>
-        <p:blipFill>
-          <a:blip r:embed="rId2"/>
-          <a:stretch>
-            <a:fillRect/>
-          </a:stretch>
-        </p:blipFill>
-        <p:spPr>
-          <a:xfrm>
-            <a:off x="434912" y="1418400"/>
-            <a:ext cx="3240140" cy="4055356"/>
-          </a:xfrm>
-          <a:prstGeom prst="rect">
-            <a:avLst/>
-          </a:prstGeom>
-        </p:spPr>
-      </p:pic>
-      <p:pic>
-        <p:nvPicPr>
-          <p:cNvPr id="5" name="Picture 4"/>
-          <p:cNvPicPr>
-            <a:picLocks noChangeAspect="1"/>
-          </p:cNvPicPr>
-          <p:nvPr/>
-        </p:nvPicPr>
-        <p:blipFill>
-          <a:blip r:embed="rId3"/>
-          <a:stretch>
-            <a:fillRect/>
-          </a:stretch>
-        </p:blipFill>
-        <p:spPr>
-          <a:xfrm>
-            <a:off x="3675052" y="1418400"/>
-            <a:ext cx="6234020" cy="4774347"/>
-          </a:xfrm>
-          <a:prstGeom prst="rect">
-            <a:avLst/>
-          </a:prstGeom>
-        </p:spPr>
-      </p:pic>
+      <p:sp>
+        <p:nvSpPr>
+          <p:cNvPr id="3" name="Content Placeholder 2"/>
+          <p:cNvSpPr>
+            <a:spLocks noGrp="1"/>
+          </p:cNvSpPr>
+          <p:nvPr>
+            <p:ph sz="quarter" idx="10"/>
+          </p:nvPr>
+        </p:nvSpPr>
+        <p:spPr/>
+        <p:txBody>
+          <a:bodyPr/>
+          <a:lstStyle/>
+          <a:p>
+            <a:r>
+              <a:rPr lang="sr-Latn-RS" smtClean="0"/>
+              <a:t>object-this</a:t>
+            </a:r>
+            <a:r>
+              <a:rPr lang="en-US" smtClean="0"/>
+              <a:t> folder!</a:t>
+            </a:r>
+            <a:endParaRPr lang="sr-Latn-RS"/>
+          </a:p>
+        </p:txBody>
+      </p:sp>
     </p:spTree>
     <p:extLst>
       <p:ext uri="{BB962C8B-B14F-4D97-AF65-F5344CB8AC3E}">
-        <p14:creationId xmlns:p14="http://schemas.microsoft.com/office/powerpoint/2010/main" val="832350630"/>
+        <p14:creationId xmlns:p14="http://schemas.microsoft.com/office/powerpoint/2010/main" val="1631262506"/>
       </p:ext>
     </p:extLst>
   </p:cSld>
